--- a/yue.pptx
+++ b/yue.pptx
@@ -9,10 +9,12 @@
     <p:sldId id="257" r:id="rId3"/>
     <p:sldId id="258" r:id="rId4"/>
     <p:sldId id="259" r:id="rId5"/>
-    <p:sldId id="260" r:id="rId6"/>
-    <p:sldId id="263" r:id="rId7"/>
-    <p:sldId id="261" r:id="rId8"/>
-    <p:sldId id="262" r:id="rId9"/>
+    <p:sldId id="264" r:id="rId6"/>
+    <p:sldId id="265" r:id="rId7"/>
+    <p:sldId id="260" r:id="rId8"/>
+    <p:sldId id="263" r:id="rId9"/>
+    <p:sldId id="261" r:id="rId10"/>
+    <p:sldId id="262" r:id="rId11"/>
   </p:sldIdLst>
   <p:sldSz cx="12192000" cy="6858000"/>
   <p:notesSz cx="6858000" cy="9144000"/>
@@ -266,7 +268,7 @@
           <a:p>
             <a:fld id="{73023979-07E0-5F48-BB7E-D3741D34AAA2}" type="datetimeFigureOut">
               <a:rPr lang="en-US" smtClean="0"/>
-              <a:t>12/17/21</a:t>
+              <a:t>2/25/22</a:t>
             </a:fld>
             <a:endParaRPr lang="en-US"/>
           </a:p>
@@ -464,7 +466,7 @@
           <a:p>
             <a:fld id="{73023979-07E0-5F48-BB7E-D3741D34AAA2}" type="datetimeFigureOut">
               <a:rPr lang="en-US" smtClean="0"/>
-              <a:t>12/17/21</a:t>
+              <a:t>2/25/22</a:t>
             </a:fld>
             <a:endParaRPr lang="en-US"/>
           </a:p>
@@ -672,7 +674,7 @@
           <a:p>
             <a:fld id="{73023979-07E0-5F48-BB7E-D3741D34AAA2}" type="datetimeFigureOut">
               <a:rPr lang="en-US" smtClean="0"/>
-              <a:t>12/17/21</a:t>
+              <a:t>2/25/22</a:t>
             </a:fld>
             <a:endParaRPr lang="en-US"/>
           </a:p>
@@ -870,7 +872,7 @@
           <a:p>
             <a:fld id="{73023979-07E0-5F48-BB7E-D3741D34AAA2}" type="datetimeFigureOut">
               <a:rPr lang="en-US" smtClean="0"/>
-              <a:t>12/17/21</a:t>
+              <a:t>2/25/22</a:t>
             </a:fld>
             <a:endParaRPr lang="en-US"/>
           </a:p>
@@ -1145,7 +1147,7 @@
           <a:p>
             <a:fld id="{73023979-07E0-5F48-BB7E-D3741D34AAA2}" type="datetimeFigureOut">
               <a:rPr lang="en-US" smtClean="0"/>
-              <a:t>12/17/21</a:t>
+              <a:t>2/25/22</a:t>
             </a:fld>
             <a:endParaRPr lang="en-US"/>
           </a:p>
@@ -1410,7 +1412,7 @@
           <a:p>
             <a:fld id="{73023979-07E0-5F48-BB7E-D3741D34AAA2}" type="datetimeFigureOut">
               <a:rPr lang="en-US" smtClean="0"/>
-              <a:t>12/17/21</a:t>
+              <a:t>2/25/22</a:t>
             </a:fld>
             <a:endParaRPr lang="en-US"/>
           </a:p>
@@ -1822,7 +1824,7 @@
           <a:p>
             <a:fld id="{73023979-07E0-5F48-BB7E-D3741D34AAA2}" type="datetimeFigureOut">
               <a:rPr lang="en-US" smtClean="0"/>
-              <a:t>12/17/21</a:t>
+              <a:t>2/25/22</a:t>
             </a:fld>
             <a:endParaRPr lang="en-US"/>
           </a:p>
@@ -1963,7 +1965,7 @@
           <a:p>
             <a:fld id="{73023979-07E0-5F48-BB7E-D3741D34AAA2}" type="datetimeFigureOut">
               <a:rPr lang="en-US" smtClean="0"/>
-              <a:t>12/17/21</a:t>
+              <a:t>2/25/22</a:t>
             </a:fld>
             <a:endParaRPr lang="en-US"/>
           </a:p>
@@ -2076,7 +2078,7 @@
           <a:p>
             <a:fld id="{73023979-07E0-5F48-BB7E-D3741D34AAA2}" type="datetimeFigureOut">
               <a:rPr lang="en-US" smtClean="0"/>
-              <a:t>12/17/21</a:t>
+              <a:t>2/25/22</a:t>
             </a:fld>
             <a:endParaRPr lang="en-US"/>
           </a:p>
@@ -2387,7 +2389,7 @@
           <a:p>
             <a:fld id="{73023979-07E0-5F48-BB7E-D3741D34AAA2}" type="datetimeFigureOut">
               <a:rPr lang="en-US" smtClean="0"/>
-              <a:t>12/17/21</a:t>
+              <a:t>2/25/22</a:t>
             </a:fld>
             <a:endParaRPr lang="en-US"/>
           </a:p>
@@ -2675,7 +2677,7 @@
           <a:p>
             <a:fld id="{73023979-07E0-5F48-BB7E-D3741D34AAA2}" type="datetimeFigureOut">
               <a:rPr lang="en-US" smtClean="0"/>
-              <a:t>12/17/21</a:t>
+              <a:t>2/25/22</a:t>
             </a:fld>
             <a:endParaRPr lang="en-US"/>
           </a:p>
@@ -2916,7 +2918,7 @@
           <a:p>
             <a:fld id="{73023979-07E0-5F48-BB7E-D3741D34AAA2}" type="datetimeFigureOut">
               <a:rPr lang="en-US" smtClean="0"/>
-              <a:t>12/17/21</a:t>
+              <a:t>2/25/22</a:t>
             </a:fld>
             <a:endParaRPr lang="en-US"/>
           </a:p>
@@ -3376,6 +3378,83 @@
 </p:sld>
 </file>
 
+<file path=ppt/slides/slide10.xml><?xml version="1.0" encoding="utf-8"?>
+<p:sld xmlns:a="http://schemas.openxmlformats.org/drawingml/2006/main" xmlns:r="http://schemas.openxmlformats.org/officeDocument/2006/relationships" xmlns:p="http://schemas.openxmlformats.org/presentationml/2006/main">
+  <p:cSld>
+    <p:spTree>
+      <p:nvGrpSpPr>
+        <p:cNvPr id="1" name=""/>
+        <p:cNvGrpSpPr/>
+        <p:nvPr/>
+      </p:nvGrpSpPr>
+      <p:grpSpPr>
+        <a:xfrm>
+          <a:off x="0" y="0"/>
+          <a:ext cx="0" cy="0"/>
+          <a:chOff x="0" y="0"/>
+          <a:chExt cx="0" cy="0"/>
+        </a:xfrm>
+      </p:grpSpPr>
+      <p:pic>
+        <p:nvPicPr>
+          <p:cNvPr id="6146" name="Picture 2" descr="Musketeer png images | PNGWing">
+            <a:extLst>
+              <a:ext uri="{FF2B5EF4-FFF2-40B4-BE49-F238E27FC236}">
+                <a16:creationId xmlns:a16="http://schemas.microsoft.com/office/drawing/2014/main" id="{AE6619DB-3B82-6D45-AEE7-8B93DF90EE5C}"/>
+              </a:ext>
+            </a:extLst>
+          </p:cNvPr>
+          <p:cNvPicPr>
+            <a:picLocks noChangeAspect="1" noChangeArrowheads="1"/>
+          </p:cNvPicPr>
+          <p:nvPr/>
+        </p:nvPicPr>
+        <p:blipFill>
+          <a:blip r:embed="rId2">
+            <a:extLst>
+              <a:ext uri="{28A0092B-C50C-407E-A947-70E740481C1C}">
+                <a14:useLocalDpi xmlns:a14="http://schemas.microsoft.com/office/drawing/2010/main" val="0"/>
+              </a:ext>
+            </a:extLst>
+          </a:blip>
+          <a:srcRect/>
+          <a:stretch>
+            <a:fillRect/>
+          </a:stretch>
+        </p:blipFill>
+        <p:spPr bwMode="auto">
+          <a:xfrm>
+            <a:off x="966788" y="0"/>
+            <a:ext cx="10258425" cy="6858000"/>
+          </a:xfrm>
+          <a:prstGeom prst="rect">
+            <a:avLst/>
+          </a:prstGeom>
+          <a:noFill/>
+          <a:extLst>
+            <a:ext uri="{909E8E84-426E-40DD-AFC4-6F175D3DCCD1}">
+              <a14:hiddenFill xmlns:a14="http://schemas.microsoft.com/office/drawing/2010/main">
+                <a:solidFill>
+                  <a:srgbClr val="FFFFFF"/>
+                </a:solidFill>
+              </a14:hiddenFill>
+            </a:ext>
+          </a:extLst>
+        </p:spPr>
+      </p:pic>
+    </p:spTree>
+    <p:extLst>
+      <p:ext uri="{BB962C8B-B14F-4D97-AF65-F5344CB8AC3E}">
+        <p14:creationId xmlns:p14="http://schemas.microsoft.com/office/powerpoint/2010/main" val="810451384"/>
+      </p:ext>
+    </p:extLst>
+  </p:cSld>
+  <p:clrMapOvr>
+    <a:masterClrMapping/>
+  </p:clrMapOvr>
+</p:sld>
+</file>
+
 <file path=ppt/slides/slide2.xml><?xml version="1.0" encoding="utf-8"?>
 <p:sld xmlns:a="http://schemas.openxmlformats.org/drawingml/2006/main" xmlns:r="http://schemas.openxmlformats.org/officeDocument/2006/relationships" xmlns:p="http://schemas.openxmlformats.org/presentationml/2006/main">
   <p:cSld>
@@ -3626,6 +3705,243 @@
       </p:grpSpPr>
       <p:pic>
         <p:nvPicPr>
+          <p:cNvPr id="3074" name="Picture 2" descr="图片">
+            <a:extLst>
+              <a:ext uri="{FF2B5EF4-FFF2-40B4-BE49-F238E27FC236}">
+                <a16:creationId xmlns:a16="http://schemas.microsoft.com/office/drawing/2014/main" id="{FF593110-D646-0147-A608-D80CF036F93B}"/>
+              </a:ext>
+            </a:extLst>
+          </p:cNvPr>
+          <p:cNvPicPr>
+            <a:picLocks noChangeAspect="1" noChangeArrowheads="1"/>
+          </p:cNvPicPr>
+          <p:nvPr/>
+        </p:nvPicPr>
+        <p:blipFill>
+          <a:blip r:embed="rId2">
+            <a:extLst>
+              <a:ext uri="{28A0092B-C50C-407E-A947-70E740481C1C}">
+                <a14:useLocalDpi xmlns:a14="http://schemas.microsoft.com/office/drawing/2010/main" val="0"/>
+              </a:ext>
+            </a:extLst>
+          </a:blip>
+          <a:srcRect/>
+          <a:stretch>
+            <a:fillRect/>
+          </a:stretch>
+        </p:blipFill>
+        <p:spPr bwMode="auto">
+          <a:xfrm>
+            <a:off x="2667000" y="283029"/>
+            <a:ext cx="6574971" cy="6574971"/>
+          </a:xfrm>
+          <a:prstGeom prst="rect">
+            <a:avLst/>
+          </a:prstGeom>
+          <a:noFill/>
+          <a:extLst>
+            <a:ext uri="{909E8E84-426E-40DD-AFC4-6F175D3DCCD1}">
+              <a14:hiddenFill xmlns:a14="http://schemas.microsoft.com/office/drawing/2010/main">
+                <a:solidFill>
+                  <a:srgbClr val="FFFFFF"/>
+                </a:solidFill>
+              </a14:hiddenFill>
+            </a:ext>
+          </a:extLst>
+        </p:spPr>
+      </p:pic>
+      <p:pic>
+        <p:nvPicPr>
+          <p:cNvPr id="5" name="Picture 4" descr="Shape, circle&#10;&#10;Description automatically generated">
+            <a:extLst>
+              <a:ext uri="{FF2B5EF4-FFF2-40B4-BE49-F238E27FC236}">
+                <a16:creationId xmlns:a16="http://schemas.microsoft.com/office/drawing/2014/main" id="{D3693BEB-F2BE-0141-8ABE-873F0A786BF0}"/>
+              </a:ext>
+            </a:extLst>
+          </p:cNvPr>
+          <p:cNvPicPr>
+            <a:picLocks noChangeAspect="1"/>
+          </p:cNvPicPr>
+          <p:nvPr/>
+        </p:nvPicPr>
+        <p:blipFill>
+          <a:blip r:embed="rId3"/>
+          <a:stretch>
+            <a:fillRect/>
+          </a:stretch>
+        </p:blipFill>
+        <p:spPr>
+          <a:xfrm>
+            <a:off x="4191000" y="2242458"/>
+            <a:ext cx="3810000" cy="3810000"/>
+          </a:xfrm>
+          <a:prstGeom prst="rect">
+            <a:avLst/>
+          </a:prstGeom>
+        </p:spPr>
+      </p:pic>
+    </p:spTree>
+    <p:extLst>
+      <p:ext uri="{BB962C8B-B14F-4D97-AF65-F5344CB8AC3E}">
+        <p14:creationId xmlns:p14="http://schemas.microsoft.com/office/powerpoint/2010/main" val="1915825768"/>
+      </p:ext>
+    </p:extLst>
+  </p:cSld>
+  <p:clrMapOvr>
+    <a:masterClrMapping/>
+  </p:clrMapOvr>
+</p:sld>
+</file>
+
+<file path=ppt/slides/slide6.xml><?xml version="1.0" encoding="utf-8"?>
+<p:sld xmlns:a="http://schemas.openxmlformats.org/drawingml/2006/main" xmlns:r="http://schemas.openxmlformats.org/officeDocument/2006/relationships" xmlns:p="http://schemas.openxmlformats.org/presentationml/2006/main">
+  <p:cSld>
+    <p:spTree>
+      <p:nvGrpSpPr>
+        <p:cNvPr id="1" name=""/>
+        <p:cNvGrpSpPr/>
+        <p:nvPr/>
+      </p:nvGrpSpPr>
+      <p:grpSpPr>
+        <a:xfrm>
+          <a:off x="0" y="0"/>
+          <a:ext cx="0" cy="0"/>
+          <a:chOff x="0" y="0"/>
+          <a:chExt cx="0" cy="0"/>
+        </a:xfrm>
+      </p:grpSpPr>
+      <p:grpSp>
+        <p:nvGrpSpPr>
+          <p:cNvPr id="3" name="Group 2">
+            <a:extLst>
+              <a:ext uri="{FF2B5EF4-FFF2-40B4-BE49-F238E27FC236}">
+                <a16:creationId xmlns:a16="http://schemas.microsoft.com/office/drawing/2014/main" id="{A339BA3B-5726-184D-9630-D138FDCE2A85}"/>
+              </a:ext>
+            </a:extLst>
+          </p:cNvPr>
+          <p:cNvGrpSpPr/>
+          <p:nvPr/>
+        </p:nvGrpSpPr>
+        <p:grpSpPr>
+          <a:xfrm>
+            <a:off x="4220980" y="484838"/>
+            <a:ext cx="6029632" cy="6029632"/>
+            <a:chOff x="4220980" y="22826"/>
+            <a:chExt cx="6029632" cy="6029632"/>
+          </a:xfrm>
+        </p:grpSpPr>
+        <p:pic>
+          <p:nvPicPr>
+            <p:cNvPr id="5" name="Picture 4" descr="Shape, circle&#10;&#10;Description automatically generated">
+              <a:extLst>
+                <a:ext uri="{FF2B5EF4-FFF2-40B4-BE49-F238E27FC236}">
+                  <a16:creationId xmlns:a16="http://schemas.microsoft.com/office/drawing/2014/main" id="{D3693BEB-F2BE-0141-8ABE-873F0A786BF0}"/>
+                </a:ext>
+              </a:extLst>
+            </p:cNvPr>
+            <p:cNvPicPr>
+              <a:picLocks noChangeAspect="1"/>
+            </p:cNvPicPr>
+            <p:nvPr/>
+          </p:nvPicPr>
+          <p:blipFill>
+            <a:blip r:embed="rId2"/>
+            <a:stretch>
+              <a:fillRect/>
+            </a:stretch>
+          </p:blipFill>
+          <p:spPr>
+            <a:xfrm>
+              <a:off x="4220980" y="22826"/>
+              <a:ext cx="6029632" cy="6029632"/>
+            </a:xfrm>
+            <a:prstGeom prst="rect">
+              <a:avLst/>
+            </a:prstGeom>
+          </p:spPr>
+        </p:pic>
+        <p:sp>
+          <p:nvSpPr>
+            <p:cNvPr id="2" name="TextBox 1">
+              <a:extLst>
+                <a:ext uri="{FF2B5EF4-FFF2-40B4-BE49-F238E27FC236}">
+                  <a16:creationId xmlns:a16="http://schemas.microsoft.com/office/drawing/2014/main" id="{8A26C909-F904-3B45-8033-D37E64A6D581}"/>
+                </a:ext>
+              </a:extLst>
+            </p:cNvPr>
+            <p:cNvSpPr txBox="1"/>
+            <p:nvPr/>
+          </p:nvSpPr>
+          <p:spPr>
+            <a:xfrm rot="20292789">
+              <a:off x="7527013" y="3980228"/>
+              <a:ext cx="736099" cy="477054"/>
+            </a:xfrm>
+            <a:prstGeom prst="rect">
+              <a:avLst/>
+            </a:prstGeom>
+            <a:noFill/>
+            <a:ln>
+              <a:noFill/>
+            </a:ln>
+          </p:spPr>
+          <p:txBody>
+            <a:bodyPr wrap="none" rtlCol="0">
+              <a:spAutoFit/>
+            </a:bodyPr>
+            <a:lstStyle/>
+            <a:p>
+              <a:r>
+                <a:rPr lang="en-US" altLang="zh-CN" sz="2500" b="1" dirty="0">
+                  <a:solidFill>
+                    <a:schemeClr val="bg1"/>
+                  </a:solidFill>
+                  <a:latin typeface="Helvetica" pitchFamily="2" charset="0"/>
+                </a:rPr>
+                <a:t>HCI</a:t>
+              </a:r>
+              <a:endParaRPr lang="en-US" sz="2500" b="1" dirty="0">
+                <a:solidFill>
+                  <a:schemeClr val="bg1"/>
+                </a:solidFill>
+                <a:latin typeface="Helvetica" pitchFamily="2" charset="0"/>
+              </a:endParaRPr>
+            </a:p>
+          </p:txBody>
+        </p:sp>
+      </p:grpSp>
+    </p:spTree>
+    <p:extLst>
+      <p:ext uri="{BB962C8B-B14F-4D97-AF65-F5344CB8AC3E}">
+        <p14:creationId xmlns:p14="http://schemas.microsoft.com/office/powerpoint/2010/main" val="1916460503"/>
+      </p:ext>
+    </p:extLst>
+  </p:cSld>
+  <p:clrMapOvr>
+    <a:masterClrMapping/>
+  </p:clrMapOvr>
+</p:sld>
+</file>
+
+<file path=ppt/slides/slide7.xml><?xml version="1.0" encoding="utf-8"?>
+<p:sld xmlns:a="http://schemas.openxmlformats.org/drawingml/2006/main" xmlns:r="http://schemas.openxmlformats.org/officeDocument/2006/relationships" xmlns:p="http://schemas.openxmlformats.org/presentationml/2006/main">
+  <p:cSld>
+    <p:spTree>
+      <p:nvGrpSpPr>
+        <p:cNvPr id="1" name=""/>
+        <p:cNvGrpSpPr/>
+        <p:nvPr/>
+      </p:nvGrpSpPr>
+      <p:grpSpPr>
+        <a:xfrm>
+          <a:off x="0" y="0"/>
+          <a:ext cx="0" cy="0"/>
+          <a:chOff x="0" y="0"/>
+          <a:chExt cx="0" cy="0"/>
+        </a:xfrm>
+      </p:grpSpPr>
+      <p:pic>
+        <p:nvPicPr>
           <p:cNvPr id="4098" name="Picture 2" descr="图片">
             <a:extLst>
               <a:ext uri="{FF2B5EF4-FFF2-40B4-BE49-F238E27FC236}">
@@ -3684,7 +4000,7 @@
 </p:sld>
 </file>
 
-<file path=ppt/slides/slide6.xml><?xml version="1.0" encoding="utf-8"?>
+<file path=ppt/slides/slide8.xml><?xml version="1.0" encoding="utf-8"?>
 <p:sld xmlns:a="http://schemas.openxmlformats.org/drawingml/2006/main" xmlns:r="http://schemas.openxmlformats.org/officeDocument/2006/relationships" xmlns:p="http://schemas.openxmlformats.org/presentationml/2006/main">
   <p:cSld>
     <p:spTree>
@@ -3701,36 +4017,106 @@
           <a:chExt cx="0" cy="0"/>
         </a:xfrm>
       </p:grpSpPr>
-      <p:pic>
-        <p:nvPicPr>
-          <p:cNvPr id="5" name="Picture 4" descr="A picture containing clipart&#10;&#10;Description automatically generated">
-            <a:extLst>
-              <a:ext uri="{FF2B5EF4-FFF2-40B4-BE49-F238E27FC236}">
-                <a16:creationId xmlns:a16="http://schemas.microsoft.com/office/drawing/2014/main" id="{CAB84B50-794F-B149-BEA1-1A47754F4A3B}"/>
-              </a:ext>
-            </a:extLst>
-          </p:cNvPr>
-          <p:cNvPicPr>
-            <a:picLocks noChangeAspect="1"/>
-          </p:cNvPicPr>
+      <p:grpSp>
+        <p:nvGrpSpPr>
+          <p:cNvPr id="7" name="Group 6">
+            <a:extLst>
+              <a:ext uri="{FF2B5EF4-FFF2-40B4-BE49-F238E27FC236}">
+                <a16:creationId xmlns:a16="http://schemas.microsoft.com/office/drawing/2014/main" id="{AA0817A0-9660-BE44-96B4-BCFAACBB33AB}"/>
+              </a:ext>
+            </a:extLst>
+          </p:cNvPr>
+          <p:cNvGrpSpPr/>
           <p:nvPr/>
-        </p:nvPicPr>
-        <p:blipFill>
-          <a:blip r:embed="rId2"/>
-          <a:stretch>
-            <a:fillRect/>
-          </a:stretch>
-        </p:blipFill>
-        <p:spPr>
+        </p:nvGrpSpPr>
+        <p:grpSpPr>
           <a:xfrm>
-            <a:off x="3794585" y="825910"/>
-            <a:ext cx="4287531" cy="4466925"/>
+            <a:off x="2257086" y="244640"/>
+            <a:ext cx="5560142" cy="5560142"/>
+            <a:chOff x="4191000" y="22826"/>
+            <a:chExt cx="6029632" cy="6029632"/>
           </a:xfrm>
-          <a:prstGeom prst="rect">
-            <a:avLst/>
-          </a:prstGeom>
-        </p:spPr>
-      </p:pic>
+        </p:grpSpPr>
+        <p:pic>
+          <p:nvPicPr>
+            <p:cNvPr id="8" name="Picture 7" descr="Shape, circle&#10;&#10;Description automatically generated">
+              <a:extLst>
+                <a:ext uri="{FF2B5EF4-FFF2-40B4-BE49-F238E27FC236}">
+                  <a16:creationId xmlns:a16="http://schemas.microsoft.com/office/drawing/2014/main" id="{F03ADEBA-D4AE-274B-B044-872409038C53}"/>
+                </a:ext>
+              </a:extLst>
+            </p:cNvPr>
+            <p:cNvPicPr>
+              <a:picLocks noChangeAspect="1"/>
+            </p:cNvPicPr>
+            <p:nvPr/>
+          </p:nvPicPr>
+          <p:blipFill>
+            <a:blip r:embed="rId2"/>
+            <a:stretch>
+              <a:fillRect/>
+            </a:stretch>
+          </p:blipFill>
+          <p:spPr>
+            <a:xfrm>
+              <a:off x="4191000" y="22826"/>
+              <a:ext cx="6029632" cy="6029632"/>
+            </a:xfrm>
+            <a:prstGeom prst="rect">
+              <a:avLst/>
+            </a:prstGeom>
+          </p:spPr>
+        </p:pic>
+        <p:sp>
+          <p:nvSpPr>
+            <p:cNvPr id="9" name="TextBox 8">
+              <a:extLst>
+                <a:ext uri="{FF2B5EF4-FFF2-40B4-BE49-F238E27FC236}">
+                  <a16:creationId xmlns:a16="http://schemas.microsoft.com/office/drawing/2014/main" id="{21F27397-1249-DF4E-8450-AA24DE3EC141}"/>
+                </a:ext>
+              </a:extLst>
+            </p:cNvPr>
+            <p:cNvSpPr txBox="1"/>
+            <p:nvPr/>
+          </p:nvSpPr>
+          <p:spPr>
+            <a:xfrm rot="19873373">
+              <a:off x="7494501" y="3966504"/>
+              <a:ext cx="736099" cy="477054"/>
+            </a:xfrm>
+            <a:prstGeom prst="rect">
+              <a:avLst/>
+            </a:prstGeom>
+            <a:noFill/>
+            <a:ln>
+              <a:noFill/>
+            </a:ln>
+          </p:spPr>
+          <p:txBody>
+            <a:bodyPr wrap="none" rtlCol="0">
+              <a:spAutoFit/>
+            </a:bodyPr>
+            <a:lstStyle/>
+            <a:p>
+              <a:r>
+                <a:rPr lang="en-US" altLang="zh-CN" sz="2500" b="1" dirty="0">
+                  <a:solidFill>
+                    <a:schemeClr val="bg1"/>
+                  </a:solidFill>
+                  <a:latin typeface="Helvetica" pitchFamily="2" charset="0"/>
+                </a:rPr>
+                <a:t>HCI</a:t>
+              </a:r>
+              <a:endParaRPr lang="en-US" sz="2500" b="1" dirty="0">
+                <a:solidFill>
+                  <a:schemeClr val="bg1"/>
+                </a:solidFill>
+                <a:latin typeface="Helvetica" pitchFamily="2" charset="0"/>
+              </a:endParaRPr>
+            </a:p>
+          </p:txBody>
+        </p:sp>
+      </p:grpSp>
       <p:pic>
         <p:nvPicPr>
           <p:cNvPr id="3" name="Picture 2" descr="A close-up of a lamp&#10;&#10;Description automatically generated with low confidence">
@@ -3753,7 +4139,7 @@
         </p:blipFill>
         <p:spPr>
           <a:xfrm>
-            <a:off x="1937071" y="840658"/>
+            <a:off x="1030508" y="1073009"/>
             <a:ext cx="7553399" cy="5560141"/>
           </a:xfrm>
           <a:prstGeom prst="rect">
@@ -3774,7 +4160,7 @@
 </p:sld>
 </file>
 
-<file path=ppt/slides/slide7.xml><?xml version="1.0" encoding="utf-8"?>
+<file path=ppt/slides/slide9.xml><?xml version="1.0" encoding="utf-8"?>
 <p:sld xmlns:a="http://schemas.openxmlformats.org/drawingml/2006/main" xmlns:r="http://schemas.openxmlformats.org/officeDocument/2006/relationships" xmlns:p="http://schemas.openxmlformats.org/presentationml/2006/main">
   <p:cSld>
     <p:spTree>
@@ -4139,83 +4525,6 @@
     <p:extLst>
       <p:ext uri="{BB962C8B-B14F-4D97-AF65-F5344CB8AC3E}">
         <p14:creationId xmlns:p14="http://schemas.microsoft.com/office/powerpoint/2010/main" val="3716958938"/>
-      </p:ext>
-    </p:extLst>
-  </p:cSld>
-  <p:clrMapOvr>
-    <a:masterClrMapping/>
-  </p:clrMapOvr>
-</p:sld>
-</file>
-
-<file path=ppt/slides/slide8.xml><?xml version="1.0" encoding="utf-8"?>
-<p:sld xmlns:a="http://schemas.openxmlformats.org/drawingml/2006/main" xmlns:r="http://schemas.openxmlformats.org/officeDocument/2006/relationships" xmlns:p="http://schemas.openxmlformats.org/presentationml/2006/main">
-  <p:cSld>
-    <p:spTree>
-      <p:nvGrpSpPr>
-        <p:cNvPr id="1" name=""/>
-        <p:cNvGrpSpPr/>
-        <p:nvPr/>
-      </p:nvGrpSpPr>
-      <p:grpSpPr>
-        <a:xfrm>
-          <a:off x="0" y="0"/>
-          <a:ext cx="0" cy="0"/>
-          <a:chOff x="0" y="0"/>
-          <a:chExt cx="0" cy="0"/>
-        </a:xfrm>
-      </p:grpSpPr>
-      <p:pic>
-        <p:nvPicPr>
-          <p:cNvPr id="6146" name="Picture 2" descr="Musketeer png images | PNGWing">
-            <a:extLst>
-              <a:ext uri="{FF2B5EF4-FFF2-40B4-BE49-F238E27FC236}">
-                <a16:creationId xmlns:a16="http://schemas.microsoft.com/office/drawing/2014/main" id="{AE6619DB-3B82-6D45-AEE7-8B93DF90EE5C}"/>
-              </a:ext>
-            </a:extLst>
-          </p:cNvPr>
-          <p:cNvPicPr>
-            <a:picLocks noChangeAspect="1" noChangeArrowheads="1"/>
-          </p:cNvPicPr>
-          <p:nvPr/>
-        </p:nvPicPr>
-        <p:blipFill>
-          <a:blip r:embed="rId2">
-            <a:extLst>
-              <a:ext uri="{28A0092B-C50C-407E-A947-70E740481C1C}">
-                <a14:useLocalDpi xmlns:a14="http://schemas.microsoft.com/office/drawing/2010/main" val="0"/>
-              </a:ext>
-            </a:extLst>
-          </a:blip>
-          <a:srcRect/>
-          <a:stretch>
-            <a:fillRect/>
-          </a:stretch>
-        </p:blipFill>
-        <p:spPr bwMode="auto">
-          <a:xfrm>
-            <a:off x="966788" y="0"/>
-            <a:ext cx="10258425" cy="6858000"/>
-          </a:xfrm>
-          <a:prstGeom prst="rect">
-            <a:avLst/>
-          </a:prstGeom>
-          <a:noFill/>
-          <a:extLst>
-            <a:ext uri="{909E8E84-426E-40DD-AFC4-6F175D3DCCD1}">
-              <a14:hiddenFill xmlns:a14="http://schemas.microsoft.com/office/drawing/2010/main">
-                <a:solidFill>
-                  <a:srgbClr val="FFFFFF"/>
-                </a:solidFill>
-              </a14:hiddenFill>
-            </a:ext>
-          </a:extLst>
-        </p:spPr>
-      </p:pic>
-    </p:spTree>
-    <p:extLst>
-      <p:ext uri="{BB962C8B-B14F-4D97-AF65-F5344CB8AC3E}">
-        <p14:creationId xmlns:p14="http://schemas.microsoft.com/office/powerpoint/2010/main" val="810451384"/>
       </p:ext>
     </p:extLst>
   </p:cSld>
